--- a/ppt 16-9/1564.耶稣同在就是天.pptx
+++ b/ppt 16-9/1564.耶稣同在就是天.pptx
@@ -129,7 +129,7 @@
           <p:cNvPr id="2" name="标题 1">
             <a:extLst>
               <a:ext uri="{FF2B5EF4-FFF2-40B4-BE49-F238E27FC236}">
-                <a16:creationId xmlns:a16="http://schemas.microsoft.com/office/drawing/2014/main" id="{8582F293-817D-A763-EE19-A04933DFF9DA}"/>
+                <a16:creationId xmlns:a16="http://schemas.microsoft.com/office/drawing/2014/main" id="{81F4A6AD-0020-9E0E-42E4-1D908161A3CF}"/>
               </a:ext>
             </a:extLst>
           </p:cNvPr>
@@ -166,7 +166,7 @@
           <p:cNvPr id="3" name="副标题 2">
             <a:extLst>
               <a:ext uri="{FF2B5EF4-FFF2-40B4-BE49-F238E27FC236}">
-                <a16:creationId xmlns:a16="http://schemas.microsoft.com/office/drawing/2014/main" id="{1A0309CE-8D36-490A-8748-46184A75C9BC}"/>
+                <a16:creationId xmlns:a16="http://schemas.microsoft.com/office/drawing/2014/main" id="{DD524376-899B-2BC6-9C3A-59ABF0B1291D}"/>
               </a:ext>
             </a:extLst>
           </p:cNvPr>
@@ -236,7 +236,7 @@
           <p:cNvPr id="4" name="日期占位符 3">
             <a:extLst>
               <a:ext uri="{FF2B5EF4-FFF2-40B4-BE49-F238E27FC236}">
-                <a16:creationId xmlns:a16="http://schemas.microsoft.com/office/drawing/2014/main" id="{CF154FEE-E3F0-BD4B-0CD6-EFF14B7F3A71}"/>
+                <a16:creationId xmlns:a16="http://schemas.microsoft.com/office/drawing/2014/main" id="{D4702DD2-D174-FE8F-E485-9AC09F3FF40D}"/>
               </a:ext>
             </a:extLst>
           </p:cNvPr>
@@ -252,7 +252,7 @@
           <a:bodyPr/>
           <a:lstStyle/>
           <a:p>
-            <a:fld id="{C0D6922A-96ED-4417-A884-18529D89B905}" type="datetimeFigureOut">
+            <a:fld id="{E078DB27-CECD-4385-9E07-CF7B66695AEB}" type="datetimeFigureOut">
               <a:rPr lang="zh-CN" altLang="en-US" smtClean="0"/>
               <a:t>2024/3/10</a:t>
             </a:fld>
@@ -265,7 +265,7 @@
           <p:cNvPr id="5" name="页脚占位符 4">
             <a:extLst>
               <a:ext uri="{FF2B5EF4-FFF2-40B4-BE49-F238E27FC236}">
-                <a16:creationId xmlns:a16="http://schemas.microsoft.com/office/drawing/2014/main" id="{AC939705-9490-443C-5F8F-79DE827390EA}"/>
+                <a16:creationId xmlns:a16="http://schemas.microsoft.com/office/drawing/2014/main" id="{674C714D-F782-B43F-6781-133C0BF4BB20}"/>
               </a:ext>
             </a:extLst>
           </p:cNvPr>
@@ -290,7 +290,7 @@
           <p:cNvPr id="6" name="灯片编号占位符 5">
             <a:extLst>
               <a:ext uri="{FF2B5EF4-FFF2-40B4-BE49-F238E27FC236}">
-                <a16:creationId xmlns:a16="http://schemas.microsoft.com/office/drawing/2014/main" id="{C2BCFBA1-18A3-E194-8640-5E75773F1190}"/>
+                <a16:creationId xmlns:a16="http://schemas.microsoft.com/office/drawing/2014/main" id="{60985149-8754-2301-542F-2816705F925C}"/>
               </a:ext>
             </a:extLst>
           </p:cNvPr>
@@ -306,7 +306,7 @@
           <a:bodyPr/>
           <a:lstStyle/>
           <a:p>
-            <a:fld id="{1AF7E711-46F8-457F-ACE7-619413A4F704}" type="slidenum">
+            <a:fld id="{A8488FA5-E095-4888-B39B-F21447CFD0A1}" type="slidenum">
               <a:rPr lang="zh-CN" altLang="en-US" smtClean="0"/>
               <a:t>‹#›</a:t>
             </a:fld>
@@ -317,7 +317,7 @@
     </p:spTree>
     <p:extLst>
       <p:ext uri="{BB962C8B-B14F-4D97-AF65-F5344CB8AC3E}">
-        <p14:creationId xmlns:p14="http://schemas.microsoft.com/office/powerpoint/2010/main" val="1098520460"/>
+        <p14:creationId xmlns:p14="http://schemas.microsoft.com/office/powerpoint/2010/main" val="2826239694"/>
       </p:ext>
     </p:extLst>
   </p:cSld>
@@ -349,7 +349,7 @@
           <p:cNvPr id="2" name="标题 1">
             <a:extLst>
               <a:ext uri="{FF2B5EF4-FFF2-40B4-BE49-F238E27FC236}">
-                <a16:creationId xmlns:a16="http://schemas.microsoft.com/office/drawing/2014/main" id="{BA9AEFB4-D205-891C-D446-8199D61093ED}"/>
+                <a16:creationId xmlns:a16="http://schemas.microsoft.com/office/drawing/2014/main" id="{940CBD39-2479-4FFE-DC35-EE1E698351B8}"/>
               </a:ext>
             </a:extLst>
           </p:cNvPr>
@@ -377,7 +377,7 @@
           <p:cNvPr id="3" name="竖排文字占位符 2">
             <a:extLst>
               <a:ext uri="{FF2B5EF4-FFF2-40B4-BE49-F238E27FC236}">
-                <a16:creationId xmlns:a16="http://schemas.microsoft.com/office/drawing/2014/main" id="{98DA9C41-C92B-DE10-9152-4995AE542234}"/>
+                <a16:creationId xmlns:a16="http://schemas.microsoft.com/office/drawing/2014/main" id="{8E9BE4C4-42B0-70EF-A92D-09DEF8A7E8EC}"/>
               </a:ext>
             </a:extLst>
           </p:cNvPr>
@@ -434,7 +434,7 @@
           <p:cNvPr id="4" name="日期占位符 3">
             <a:extLst>
               <a:ext uri="{FF2B5EF4-FFF2-40B4-BE49-F238E27FC236}">
-                <a16:creationId xmlns:a16="http://schemas.microsoft.com/office/drawing/2014/main" id="{F9498643-035A-996C-8B3A-2DC911189672}"/>
+                <a16:creationId xmlns:a16="http://schemas.microsoft.com/office/drawing/2014/main" id="{E570D175-0324-34B7-D2AF-4A8527FF4E7C}"/>
               </a:ext>
             </a:extLst>
           </p:cNvPr>
@@ -450,7 +450,7 @@
           <a:bodyPr/>
           <a:lstStyle/>
           <a:p>
-            <a:fld id="{C0D6922A-96ED-4417-A884-18529D89B905}" type="datetimeFigureOut">
+            <a:fld id="{E078DB27-CECD-4385-9E07-CF7B66695AEB}" type="datetimeFigureOut">
               <a:rPr lang="zh-CN" altLang="en-US" smtClean="0"/>
               <a:t>2024/3/10</a:t>
             </a:fld>
@@ -463,7 +463,7 @@
           <p:cNvPr id="5" name="页脚占位符 4">
             <a:extLst>
               <a:ext uri="{FF2B5EF4-FFF2-40B4-BE49-F238E27FC236}">
-                <a16:creationId xmlns:a16="http://schemas.microsoft.com/office/drawing/2014/main" id="{090A1CAA-8BC9-9769-A40B-3D5BD43726F0}"/>
+                <a16:creationId xmlns:a16="http://schemas.microsoft.com/office/drawing/2014/main" id="{D525B80D-9C69-5B71-9532-BE03FFA46FC0}"/>
               </a:ext>
             </a:extLst>
           </p:cNvPr>
@@ -488,7 +488,7 @@
           <p:cNvPr id="6" name="灯片编号占位符 5">
             <a:extLst>
               <a:ext uri="{FF2B5EF4-FFF2-40B4-BE49-F238E27FC236}">
-                <a16:creationId xmlns:a16="http://schemas.microsoft.com/office/drawing/2014/main" id="{04D127AF-D753-B9EF-B3FC-8B912DD54BF0}"/>
+                <a16:creationId xmlns:a16="http://schemas.microsoft.com/office/drawing/2014/main" id="{CE10B994-2E21-ECFA-21B0-1A75AA31FA39}"/>
               </a:ext>
             </a:extLst>
           </p:cNvPr>
@@ -504,7 +504,7 @@
           <a:bodyPr/>
           <a:lstStyle/>
           <a:p>
-            <a:fld id="{1AF7E711-46F8-457F-ACE7-619413A4F704}" type="slidenum">
+            <a:fld id="{A8488FA5-E095-4888-B39B-F21447CFD0A1}" type="slidenum">
               <a:rPr lang="zh-CN" altLang="en-US" smtClean="0"/>
               <a:t>‹#›</a:t>
             </a:fld>
@@ -515,7 +515,7 @@
     </p:spTree>
     <p:extLst>
       <p:ext uri="{BB962C8B-B14F-4D97-AF65-F5344CB8AC3E}">
-        <p14:creationId xmlns:p14="http://schemas.microsoft.com/office/powerpoint/2010/main" val="2726767673"/>
+        <p14:creationId xmlns:p14="http://schemas.microsoft.com/office/powerpoint/2010/main" val="3812274276"/>
       </p:ext>
     </p:extLst>
   </p:cSld>
@@ -547,7 +547,7 @@
           <p:cNvPr id="2" name="竖排标题 1">
             <a:extLst>
               <a:ext uri="{FF2B5EF4-FFF2-40B4-BE49-F238E27FC236}">
-                <a16:creationId xmlns:a16="http://schemas.microsoft.com/office/drawing/2014/main" id="{73B26FF4-28DE-6CA9-8792-8BB38EBC458C}"/>
+                <a16:creationId xmlns:a16="http://schemas.microsoft.com/office/drawing/2014/main" id="{78CED819-3E26-289A-61D4-F728B23E7633}"/>
               </a:ext>
             </a:extLst>
           </p:cNvPr>
@@ -580,7 +580,7 @@
           <p:cNvPr id="3" name="竖排文字占位符 2">
             <a:extLst>
               <a:ext uri="{FF2B5EF4-FFF2-40B4-BE49-F238E27FC236}">
-                <a16:creationId xmlns:a16="http://schemas.microsoft.com/office/drawing/2014/main" id="{D68FC3C5-FC23-9E5C-ED88-E6D6FAAFBD42}"/>
+                <a16:creationId xmlns:a16="http://schemas.microsoft.com/office/drawing/2014/main" id="{E41ED979-CA1D-4095-68F6-43B49F7ABC0D}"/>
               </a:ext>
             </a:extLst>
           </p:cNvPr>
@@ -642,7 +642,7 @@
           <p:cNvPr id="4" name="日期占位符 3">
             <a:extLst>
               <a:ext uri="{FF2B5EF4-FFF2-40B4-BE49-F238E27FC236}">
-                <a16:creationId xmlns:a16="http://schemas.microsoft.com/office/drawing/2014/main" id="{CD0900A7-40FC-667B-B7DD-C2DBFEFCA11A}"/>
+                <a16:creationId xmlns:a16="http://schemas.microsoft.com/office/drawing/2014/main" id="{EBA78B2E-B023-3A7A-07FC-BA42BC553102}"/>
               </a:ext>
             </a:extLst>
           </p:cNvPr>
@@ -658,7 +658,7 @@
           <a:bodyPr/>
           <a:lstStyle/>
           <a:p>
-            <a:fld id="{C0D6922A-96ED-4417-A884-18529D89B905}" type="datetimeFigureOut">
+            <a:fld id="{E078DB27-CECD-4385-9E07-CF7B66695AEB}" type="datetimeFigureOut">
               <a:rPr lang="zh-CN" altLang="en-US" smtClean="0"/>
               <a:t>2024/3/10</a:t>
             </a:fld>
@@ -671,7 +671,7 @@
           <p:cNvPr id="5" name="页脚占位符 4">
             <a:extLst>
               <a:ext uri="{FF2B5EF4-FFF2-40B4-BE49-F238E27FC236}">
-                <a16:creationId xmlns:a16="http://schemas.microsoft.com/office/drawing/2014/main" id="{5EB8E6BF-B49D-DEDD-0A1F-DA6D9C624CCB}"/>
+                <a16:creationId xmlns:a16="http://schemas.microsoft.com/office/drawing/2014/main" id="{25E6F5B6-21FC-3A26-1D7A-C5690AC16E80}"/>
               </a:ext>
             </a:extLst>
           </p:cNvPr>
@@ -696,7 +696,7 @@
           <p:cNvPr id="6" name="灯片编号占位符 5">
             <a:extLst>
               <a:ext uri="{FF2B5EF4-FFF2-40B4-BE49-F238E27FC236}">
-                <a16:creationId xmlns:a16="http://schemas.microsoft.com/office/drawing/2014/main" id="{E1C77EF5-D26C-3DCE-248A-ED61032FFDC0}"/>
+                <a16:creationId xmlns:a16="http://schemas.microsoft.com/office/drawing/2014/main" id="{52503ADE-FDC1-724A-8B16-72B817F2F9D3}"/>
               </a:ext>
             </a:extLst>
           </p:cNvPr>
@@ -712,7 +712,7 @@
           <a:bodyPr/>
           <a:lstStyle/>
           <a:p>
-            <a:fld id="{1AF7E711-46F8-457F-ACE7-619413A4F704}" type="slidenum">
+            <a:fld id="{A8488FA5-E095-4888-B39B-F21447CFD0A1}" type="slidenum">
               <a:rPr lang="zh-CN" altLang="en-US" smtClean="0"/>
               <a:t>‹#›</a:t>
             </a:fld>
@@ -723,7 +723,7 @@
     </p:spTree>
     <p:extLst>
       <p:ext uri="{BB962C8B-B14F-4D97-AF65-F5344CB8AC3E}">
-        <p14:creationId xmlns:p14="http://schemas.microsoft.com/office/powerpoint/2010/main" val="2018565980"/>
+        <p14:creationId xmlns:p14="http://schemas.microsoft.com/office/powerpoint/2010/main" val="805529257"/>
       </p:ext>
     </p:extLst>
   </p:cSld>
@@ -755,7 +755,7 @@
           <p:cNvPr id="2" name="标题 1">
             <a:extLst>
               <a:ext uri="{FF2B5EF4-FFF2-40B4-BE49-F238E27FC236}">
-                <a16:creationId xmlns:a16="http://schemas.microsoft.com/office/drawing/2014/main" id="{DB15BAB6-EC12-FECD-4C82-CA6E2D4A5CD4}"/>
+                <a16:creationId xmlns:a16="http://schemas.microsoft.com/office/drawing/2014/main" id="{BEDDFB30-E43E-2911-B8FF-2A203BBA4D39}"/>
               </a:ext>
             </a:extLst>
           </p:cNvPr>
@@ -783,7 +783,7 @@
           <p:cNvPr id="3" name="内容占位符 2">
             <a:extLst>
               <a:ext uri="{FF2B5EF4-FFF2-40B4-BE49-F238E27FC236}">
-                <a16:creationId xmlns:a16="http://schemas.microsoft.com/office/drawing/2014/main" id="{BF50BB31-FFB5-7921-C710-88ED9CA70740}"/>
+                <a16:creationId xmlns:a16="http://schemas.microsoft.com/office/drawing/2014/main" id="{5A9D81FE-2662-659C-6D97-C64BA9356113}"/>
               </a:ext>
             </a:extLst>
           </p:cNvPr>
@@ -840,7 +840,7 @@
           <p:cNvPr id="4" name="日期占位符 3">
             <a:extLst>
               <a:ext uri="{FF2B5EF4-FFF2-40B4-BE49-F238E27FC236}">
-                <a16:creationId xmlns:a16="http://schemas.microsoft.com/office/drawing/2014/main" id="{8E1D345D-94A8-6510-36E7-D6F1EDDC9F1F}"/>
+                <a16:creationId xmlns:a16="http://schemas.microsoft.com/office/drawing/2014/main" id="{B2548266-6AFC-7F57-C121-21C52567DF96}"/>
               </a:ext>
             </a:extLst>
           </p:cNvPr>
@@ -856,7 +856,7 @@
           <a:bodyPr/>
           <a:lstStyle/>
           <a:p>
-            <a:fld id="{C0D6922A-96ED-4417-A884-18529D89B905}" type="datetimeFigureOut">
+            <a:fld id="{E078DB27-CECD-4385-9E07-CF7B66695AEB}" type="datetimeFigureOut">
               <a:rPr lang="zh-CN" altLang="en-US" smtClean="0"/>
               <a:t>2024/3/10</a:t>
             </a:fld>
@@ -869,7 +869,7 @@
           <p:cNvPr id="5" name="页脚占位符 4">
             <a:extLst>
               <a:ext uri="{FF2B5EF4-FFF2-40B4-BE49-F238E27FC236}">
-                <a16:creationId xmlns:a16="http://schemas.microsoft.com/office/drawing/2014/main" id="{436C3EEE-E4A1-5E4C-9B9A-A7DDCCD8E7DF}"/>
+                <a16:creationId xmlns:a16="http://schemas.microsoft.com/office/drawing/2014/main" id="{773AAA16-3B9A-F32C-886E-558321723713}"/>
               </a:ext>
             </a:extLst>
           </p:cNvPr>
@@ -894,7 +894,7 @@
           <p:cNvPr id="6" name="灯片编号占位符 5">
             <a:extLst>
               <a:ext uri="{FF2B5EF4-FFF2-40B4-BE49-F238E27FC236}">
-                <a16:creationId xmlns:a16="http://schemas.microsoft.com/office/drawing/2014/main" id="{06FEB2F9-031D-5D14-5501-851CB79F91F9}"/>
+                <a16:creationId xmlns:a16="http://schemas.microsoft.com/office/drawing/2014/main" id="{2391D3A8-12AA-751E-6653-68136A0B0C75}"/>
               </a:ext>
             </a:extLst>
           </p:cNvPr>
@@ -910,7 +910,7 @@
           <a:bodyPr/>
           <a:lstStyle/>
           <a:p>
-            <a:fld id="{1AF7E711-46F8-457F-ACE7-619413A4F704}" type="slidenum">
+            <a:fld id="{A8488FA5-E095-4888-B39B-F21447CFD0A1}" type="slidenum">
               <a:rPr lang="zh-CN" altLang="en-US" smtClean="0"/>
               <a:t>‹#›</a:t>
             </a:fld>
@@ -921,7 +921,7 @@
     </p:spTree>
     <p:extLst>
       <p:ext uri="{BB962C8B-B14F-4D97-AF65-F5344CB8AC3E}">
-        <p14:creationId xmlns:p14="http://schemas.microsoft.com/office/powerpoint/2010/main" val="140757942"/>
+        <p14:creationId xmlns:p14="http://schemas.microsoft.com/office/powerpoint/2010/main" val="3021379337"/>
       </p:ext>
     </p:extLst>
   </p:cSld>
@@ -953,7 +953,7 @@
           <p:cNvPr id="2" name="标题 1">
             <a:extLst>
               <a:ext uri="{FF2B5EF4-FFF2-40B4-BE49-F238E27FC236}">
-                <a16:creationId xmlns:a16="http://schemas.microsoft.com/office/drawing/2014/main" id="{10C67AC9-A029-A611-6494-885362F0D626}"/>
+                <a16:creationId xmlns:a16="http://schemas.microsoft.com/office/drawing/2014/main" id="{D03A8DB3-D75A-9FFA-321E-9358D5477B6E}"/>
               </a:ext>
             </a:extLst>
           </p:cNvPr>
@@ -990,7 +990,7 @@
           <p:cNvPr id="3" name="文本占位符 2">
             <a:extLst>
               <a:ext uri="{FF2B5EF4-FFF2-40B4-BE49-F238E27FC236}">
-                <a16:creationId xmlns:a16="http://schemas.microsoft.com/office/drawing/2014/main" id="{F297A48D-9D79-3056-D289-2E798D72DB38}"/>
+                <a16:creationId xmlns:a16="http://schemas.microsoft.com/office/drawing/2014/main" id="{1DD17169-05C9-D734-7E87-CEBC30A20352}"/>
               </a:ext>
             </a:extLst>
           </p:cNvPr>
@@ -1115,7 +1115,7 @@
           <p:cNvPr id="4" name="日期占位符 3">
             <a:extLst>
               <a:ext uri="{FF2B5EF4-FFF2-40B4-BE49-F238E27FC236}">
-                <a16:creationId xmlns:a16="http://schemas.microsoft.com/office/drawing/2014/main" id="{9EE11DA3-A87C-139E-ED4A-AC571D934DA8}"/>
+                <a16:creationId xmlns:a16="http://schemas.microsoft.com/office/drawing/2014/main" id="{A257E3B7-16E7-32F9-E21C-6D33078EAB43}"/>
               </a:ext>
             </a:extLst>
           </p:cNvPr>
@@ -1131,7 +1131,7 @@
           <a:bodyPr/>
           <a:lstStyle/>
           <a:p>
-            <a:fld id="{C0D6922A-96ED-4417-A884-18529D89B905}" type="datetimeFigureOut">
+            <a:fld id="{E078DB27-CECD-4385-9E07-CF7B66695AEB}" type="datetimeFigureOut">
               <a:rPr lang="zh-CN" altLang="en-US" smtClean="0"/>
               <a:t>2024/3/10</a:t>
             </a:fld>
@@ -1144,7 +1144,7 @@
           <p:cNvPr id="5" name="页脚占位符 4">
             <a:extLst>
               <a:ext uri="{FF2B5EF4-FFF2-40B4-BE49-F238E27FC236}">
-                <a16:creationId xmlns:a16="http://schemas.microsoft.com/office/drawing/2014/main" id="{791A8A41-5A4D-AC56-F7A8-B3CE5C77A242}"/>
+                <a16:creationId xmlns:a16="http://schemas.microsoft.com/office/drawing/2014/main" id="{CE44F38C-80D9-D64E-C1DC-5E61259C6FD8}"/>
               </a:ext>
             </a:extLst>
           </p:cNvPr>
@@ -1169,7 +1169,7 @@
           <p:cNvPr id="6" name="灯片编号占位符 5">
             <a:extLst>
               <a:ext uri="{FF2B5EF4-FFF2-40B4-BE49-F238E27FC236}">
-                <a16:creationId xmlns:a16="http://schemas.microsoft.com/office/drawing/2014/main" id="{C2C899E0-FF4A-1D6D-922E-EF3A0507452C}"/>
+                <a16:creationId xmlns:a16="http://schemas.microsoft.com/office/drawing/2014/main" id="{16314E9A-680A-B02E-B36E-720BA08FF8C1}"/>
               </a:ext>
             </a:extLst>
           </p:cNvPr>
@@ -1185,7 +1185,7 @@
           <a:bodyPr/>
           <a:lstStyle/>
           <a:p>
-            <a:fld id="{1AF7E711-46F8-457F-ACE7-619413A4F704}" type="slidenum">
+            <a:fld id="{A8488FA5-E095-4888-B39B-F21447CFD0A1}" type="slidenum">
               <a:rPr lang="zh-CN" altLang="en-US" smtClean="0"/>
               <a:t>‹#›</a:t>
             </a:fld>
@@ -1196,7 +1196,7 @@
     </p:spTree>
     <p:extLst>
       <p:ext uri="{BB962C8B-B14F-4D97-AF65-F5344CB8AC3E}">
-        <p14:creationId xmlns:p14="http://schemas.microsoft.com/office/powerpoint/2010/main" val="1731575581"/>
+        <p14:creationId xmlns:p14="http://schemas.microsoft.com/office/powerpoint/2010/main" val="3212080883"/>
       </p:ext>
     </p:extLst>
   </p:cSld>
@@ -1228,7 +1228,7 @@
           <p:cNvPr id="2" name="标题 1">
             <a:extLst>
               <a:ext uri="{FF2B5EF4-FFF2-40B4-BE49-F238E27FC236}">
-                <a16:creationId xmlns:a16="http://schemas.microsoft.com/office/drawing/2014/main" id="{99ADCBC6-E821-477D-8687-53E89380244A}"/>
+                <a16:creationId xmlns:a16="http://schemas.microsoft.com/office/drawing/2014/main" id="{70B36B29-B050-0235-A890-1248DC48BE72}"/>
               </a:ext>
             </a:extLst>
           </p:cNvPr>
@@ -1256,7 +1256,7 @@
           <p:cNvPr id="3" name="内容占位符 2">
             <a:extLst>
               <a:ext uri="{FF2B5EF4-FFF2-40B4-BE49-F238E27FC236}">
-                <a16:creationId xmlns:a16="http://schemas.microsoft.com/office/drawing/2014/main" id="{68F7E807-6D61-B85E-A660-542304955113}"/>
+                <a16:creationId xmlns:a16="http://schemas.microsoft.com/office/drawing/2014/main" id="{5460FC4C-4C10-9235-7F75-0AE94CA221D8}"/>
               </a:ext>
             </a:extLst>
           </p:cNvPr>
@@ -1318,7 +1318,7 @@
           <p:cNvPr id="4" name="内容占位符 3">
             <a:extLst>
               <a:ext uri="{FF2B5EF4-FFF2-40B4-BE49-F238E27FC236}">
-                <a16:creationId xmlns:a16="http://schemas.microsoft.com/office/drawing/2014/main" id="{B372B827-1B25-3B12-A2BD-DCAADB44FDBA}"/>
+                <a16:creationId xmlns:a16="http://schemas.microsoft.com/office/drawing/2014/main" id="{9151ABE6-C3D9-4D37-3A98-E3CCDA47EB63}"/>
               </a:ext>
             </a:extLst>
           </p:cNvPr>
@@ -1380,7 +1380,7 @@
           <p:cNvPr id="5" name="日期占位符 4">
             <a:extLst>
               <a:ext uri="{FF2B5EF4-FFF2-40B4-BE49-F238E27FC236}">
-                <a16:creationId xmlns:a16="http://schemas.microsoft.com/office/drawing/2014/main" id="{AA52AB05-8220-9B4F-38E1-415D00767AE4}"/>
+                <a16:creationId xmlns:a16="http://schemas.microsoft.com/office/drawing/2014/main" id="{EE106E8F-42E0-C29D-7392-8CCB425C9E53}"/>
               </a:ext>
             </a:extLst>
           </p:cNvPr>
@@ -1396,7 +1396,7 @@
           <a:bodyPr/>
           <a:lstStyle/>
           <a:p>
-            <a:fld id="{C0D6922A-96ED-4417-A884-18529D89B905}" type="datetimeFigureOut">
+            <a:fld id="{E078DB27-CECD-4385-9E07-CF7B66695AEB}" type="datetimeFigureOut">
               <a:rPr lang="zh-CN" altLang="en-US" smtClean="0"/>
               <a:t>2024/3/10</a:t>
             </a:fld>
@@ -1409,7 +1409,7 @@
           <p:cNvPr id="6" name="页脚占位符 5">
             <a:extLst>
               <a:ext uri="{FF2B5EF4-FFF2-40B4-BE49-F238E27FC236}">
-                <a16:creationId xmlns:a16="http://schemas.microsoft.com/office/drawing/2014/main" id="{A41A3E97-5465-AB2A-3FD8-B034F2DE4671}"/>
+                <a16:creationId xmlns:a16="http://schemas.microsoft.com/office/drawing/2014/main" id="{55F67A91-D3FB-6827-DBC2-77CB0CF214D2}"/>
               </a:ext>
             </a:extLst>
           </p:cNvPr>
@@ -1434,7 +1434,7 @@
           <p:cNvPr id="7" name="灯片编号占位符 6">
             <a:extLst>
               <a:ext uri="{FF2B5EF4-FFF2-40B4-BE49-F238E27FC236}">
-                <a16:creationId xmlns:a16="http://schemas.microsoft.com/office/drawing/2014/main" id="{875325DB-72EF-ECD9-267B-036CC92AD6F1}"/>
+                <a16:creationId xmlns:a16="http://schemas.microsoft.com/office/drawing/2014/main" id="{EAD9CC69-8F6E-ABC6-C118-07D8503B24EE}"/>
               </a:ext>
             </a:extLst>
           </p:cNvPr>
@@ -1450,7 +1450,7 @@
           <a:bodyPr/>
           <a:lstStyle/>
           <a:p>
-            <a:fld id="{1AF7E711-46F8-457F-ACE7-619413A4F704}" type="slidenum">
+            <a:fld id="{A8488FA5-E095-4888-B39B-F21447CFD0A1}" type="slidenum">
               <a:rPr lang="zh-CN" altLang="en-US" smtClean="0"/>
               <a:t>‹#›</a:t>
             </a:fld>
@@ -1461,7 +1461,7 @@
     </p:spTree>
     <p:extLst>
       <p:ext uri="{BB962C8B-B14F-4D97-AF65-F5344CB8AC3E}">
-        <p14:creationId xmlns:p14="http://schemas.microsoft.com/office/powerpoint/2010/main" val="242824036"/>
+        <p14:creationId xmlns:p14="http://schemas.microsoft.com/office/powerpoint/2010/main" val="3550435887"/>
       </p:ext>
     </p:extLst>
   </p:cSld>
@@ -1493,7 +1493,7 @@
           <p:cNvPr id="2" name="标题 1">
             <a:extLst>
               <a:ext uri="{FF2B5EF4-FFF2-40B4-BE49-F238E27FC236}">
-                <a16:creationId xmlns:a16="http://schemas.microsoft.com/office/drawing/2014/main" id="{7FF9E5F0-E72B-5BD5-C2C3-66285CF71D34}"/>
+                <a16:creationId xmlns:a16="http://schemas.microsoft.com/office/drawing/2014/main" id="{91BB12BE-59D0-B075-11B2-842893B019B2}"/>
               </a:ext>
             </a:extLst>
           </p:cNvPr>
@@ -1526,7 +1526,7 @@
           <p:cNvPr id="3" name="文本占位符 2">
             <a:extLst>
               <a:ext uri="{FF2B5EF4-FFF2-40B4-BE49-F238E27FC236}">
-                <a16:creationId xmlns:a16="http://schemas.microsoft.com/office/drawing/2014/main" id="{7AC93302-8A24-60F4-EDA5-B5E3E8BFA21B}"/>
+                <a16:creationId xmlns:a16="http://schemas.microsoft.com/office/drawing/2014/main" id="{D9CB05DA-C44E-7F89-7792-DC457262BEF2}"/>
               </a:ext>
             </a:extLst>
           </p:cNvPr>
@@ -1597,7 +1597,7 @@
           <p:cNvPr id="4" name="内容占位符 3">
             <a:extLst>
               <a:ext uri="{FF2B5EF4-FFF2-40B4-BE49-F238E27FC236}">
-                <a16:creationId xmlns:a16="http://schemas.microsoft.com/office/drawing/2014/main" id="{B5D6D3D7-3398-F068-9FC6-4AD0D57C0C23}"/>
+                <a16:creationId xmlns:a16="http://schemas.microsoft.com/office/drawing/2014/main" id="{9D6D5FD2-7A2B-6EE1-FDDB-E91DA7DFF1E2}"/>
               </a:ext>
             </a:extLst>
           </p:cNvPr>
@@ -1659,7 +1659,7 @@
           <p:cNvPr id="5" name="文本占位符 4">
             <a:extLst>
               <a:ext uri="{FF2B5EF4-FFF2-40B4-BE49-F238E27FC236}">
-                <a16:creationId xmlns:a16="http://schemas.microsoft.com/office/drawing/2014/main" id="{377A707B-BB79-0ECE-EC44-0740949C45DD}"/>
+                <a16:creationId xmlns:a16="http://schemas.microsoft.com/office/drawing/2014/main" id="{63A7F3A9-5701-19A2-4F83-40EF2D554818}"/>
               </a:ext>
             </a:extLst>
           </p:cNvPr>
@@ -1730,7 +1730,7 @@
           <p:cNvPr id="6" name="内容占位符 5">
             <a:extLst>
               <a:ext uri="{FF2B5EF4-FFF2-40B4-BE49-F238E27FC236}">
-                <a16:creationId xmlns:a16="http://schemas.microsoft.com/office/drawing/2014/main" id="{4BCEB070-C1A6-0B34-5E27-C004E46FADC8}"/>
+                <a16:creationId xmlns:a16="http://schemas.microsoft.com/office/drawing/2014/main" id="{3F395BE5-869F-81D0-F95B-099799D05DFE}"/>
               </a:ext>
             </a:extLst>
           </p:cNvPr>
@@ -1792,7 +1792,7 @@
           <p:cNvPr id="7" name="日期占位符 6">
             <a:extLst>
               <a:ext uri="{FF2B5EF4-FFF2-40B4-BE49-F238E27FC236}">
-                <a16:creationId xmlns:a16="http://schemas.microsoft.com/office/drawing/2014/main" id="{A9728A38-18CA-CC2C-8DBD-513352EDFA4D}"/>
+                <a16:creationId xmlns:a16="http://schemas.microsoft.com/office/drawing/2014/main" id="{E2B08377-1984-675F-B711-8BD939D3FCB3}"/>
               </a:ext>
             </a:extLst>
           </p:cNvPr>
@@ -1808,7 +1808,7 @@
           <a:bodyPr/>
           <a:lstStyle/>
           <a:p>
-            <a:fld id="{C0D6922A-96ED-4417-A884-18529D89B905}" type="datetimeFigureOut">
+            <a:fld id="{E078DB27-CECD-4385-9E07-CF7B66695AEB}" type="datetimeFigureOut">
               <a:rPr lang="zh-CN" altLang="en-US" smtClean="0"/>
               <a:t>2024/3/10</a:t>
             </a:fld>
@@ -1821,7 +1821,7 @@
           <p:cNvPr id="8" name="页脚占位符 7">
             <a:extLst>
               <a:ext uri="{FF2B5EF4-FFF2-40B4-BE49-F238E27FC236}">
-                <a16:creationId xmlns:a16="http://schemas.microsoft.com/office/drawing/2014/main" id="{D5284456-2D4A-E3E7-A9CF-CF050BAE73C2}"/>
+                <a16:creationId xmlns:a16="http://schemas.microsoft.com/office/drawing/2014/main" id="{DD143F3A-2E1C-CD7D-015C-E37693BB2779}"/>
               </a:ext>
             </a:extLst>
           </p:cNvPr>
@@ -1846,7 +1846,7 @@
           <p:cNvPr id="9" name="灯片编号占位符 8">
             <a:extLst>
               <a:ext uri="{FF2B5EF4-FFF2-40B4-BE49-F238E27FC236}">
-                <a16:creationId xmlns:a16="http://schemas.microsoft.com/office/drawing/2014/main" id="{AEBA32BD-4004-1D25-E39C-BD29E7AC47B5}"/>
+                <a16:creationId xmlns:a16="http://schemas.microsoft.com/office/drawing/2014/main" id="{903CBF82-0D2E-B808-23FF-051FEC373946}"/>
               </a:ext>
             </a:extLst>
           </p:cNvPr>
@@ -1862,7 +1862,7 @@
           <a:bodyPr/>
           <a:lstStyle/>
           <a:p>
-            <a:fld id="{1AF7E711-46F8-457F-ACE7-619413A4F704}" type="slidenum">
+            <a:fld id="{A8488FA5-E095-4888-B39B-F21447CFD0A1}" type="slidenum">
               <a:rPr lang="zh-CN" altLang="en-US" smtClean="0"/>
               <a:t>‹#›</a:t>
             </a:fld>
@@ -1873,7 +1873,7 @@
     </p:spTree>
     <p:extLst>
       <p:ext uri="{BB962C8B-B14F-4D97-AF65-F5344CB8AC3E}">
-        <p14:creationId xmlns:p14="http://schemas.microsoft.com/office/powerpoint/2010/main" val="1567627476"/>
+        <p14:creationId xmlns:p14="http://schemas.microsoft.com/office/powerpoint/2010/main" val="1873132081"/>
       </p:ext>
     </p:extLst>
   </p:cSld>
@@ -1905,7 +1905,7 @@
           <p:cNvPr id="2" name="标题 1">
             <a:extLst>
               <a:ext uri="{FF2B5EF4-FFF2-40B4-BE49-F238E27FC236}">
-                <a16:creationId xmlns:a16="http://schemas.microsoft.com/office/drawing/2014/main" id="{05A069B6-BBE5-E88E-FCB7-3E0FF4B9D072}"/>
+                <a16:creationId xmlns:a16="http://schemas.microsoft.com/office/drawing/2014/main" id="{C959F63F-6A54-2CDC-647B-14D6E341C8A4}"/>
               </a:ext>
             </a:extLst>
           </p:cNvPr>
@@ -1933,7 +1933,7 @@
           <p:cNvPr id="3" name="日期占位符 2">
             <a:extLst>
               <a:ext uri="{FF2B5EF4-FFF2-40B4-BE49-F238E27FC236}">
-                <a16:creationId xmlns:a16="http://schemas.microsoft.com/office/drawing/2014/main" id="{1F55B20A-2BBB-5816-7804-DEA3B37B663C}"/>
+                <a16:creationId xmlns:a16="http://schemas.microsoft.com/office/drawing/2014/main" id="{6ABF5497-ABE3-FC97-7A86-39CBDEAB8CA6}"/>
               </a:ext>
             </a:extLst>
           </p:cNvPr>
@@ -1949,7 +1949,7 @@
           <a:bodyPr/>
           <a:lstStyle/>
           <a:p>
-            <a:fld id="{C0D6922A-96ED-4417-A884-18529D89B905}" type="datetimeFigureOut">
+            <a:fld id="{E078DB27-CECD-4385-9E07-CF7B66695AEB}" type="datetimeFigureOut">
               <a:rPr lang="zh-CN" altLang="en-US" smtClean="0"/>
               <a:t>2024/3/10</a:t>
             </a:fld>
@@ -1962,7 +1962,7 @@
           <p:cNvPr id="4" name="页脚占位符 3">
             <a:extLst>
               <a:ext uri="{FF2B5EF4-FFF2-40B4-BE49-F238E27FC236}">
-                <a16:creationId xmlns:a16="http://schemas.microsoft.com/office/drawing/2014/main" id="{2F9DF808-4FDC-E9BE-5747-B43074C5EF96}"/>
+                <a16:creationId xmlns:a16="http://schemas.microsoft.com/office/drawing/2014/main" id="{4A41FF42-44D5-6637-4064-E806331D748D}"/>
               </a:ext>
             </a:extLst>
           </p:cNvPr>
@@ -1987,7 +1987,7 @@
           <p:cNvPr id="5" name="灯片编号占位符 4">
             <a:extLst>
               <a:ext uri="{FF2B5EF4-FFF2-40B4-BE49-F238E27FC236}">
-                <a16:creationId xmlns:a16="http://schemas.microsoft.com/office/drawing/2014/main" id="{75EB4BF8-2B36-EEEF-C49B-4D522655A5FD}"/>
+                <a16:creationId xmlns:a16="http://schemas.microsoft.com/office/drawing/2014/main" id="{86DEF3C7-3E37-69E4-5B6B-2E862AE3DA25}"/>
               </a:ext>
             </a:extLst>
           </p:cNvPr>
@@ -2003,7 +2003,7 @@
           <a:bodyPr/>
           <a:lstStyle/>
           <a:p>
-            <a:fld id="{1AF7E711-46F8-457F-ACE7-619413A4F704}" type="slidenum">
+            <a:fld id="{A8488FA5-E095-4888-B39B-F21447CFD0A1}" type="slidenum">
               <a:rPr lang="zh-CN" altLang="en-US" smtClean="0"/>
               <a:t>‹#›</a:t>
             </a:fld>
@@ -2014,7 +2014,7 @@
     </p:spTree>
     <p:extLst>
       <p:ext uri="{BB962C8B-B14F-4D97-AF65-F5344CB8AC3E}">
-        <p14:creationId xmlns:p14="http://schemas.microsoft.com/office/powerpoint/2010/main" val="3443853468"/>
+        <p14:creationId xmlns:p14="http://schemas.microsoft.com/office/powerpoint/2010/main" val="2037833616"/>
       </p:ext>
     </p:extLst>
   </p:cSld>
@@ -2046,7 +2046,7 @@
           <p:cNvPr id="2" name="日期占位符 1">
             <a:extLst>
               <a:ext uri="{FF2B5EF4-FFF2-40B4-BE49-F238E27FC236}">
-                <a16:creationId xmlns:a16="http://schemas.microsoft.com/office/drawing/2014/main" id="{38F634B9-D886-9965-1AAB-8BC8354A5652}"/>
+                <a16:creationId xmlns:a16="http://schemas.microsoft.com/office/drawing/2014/main" id="{CE53DA10-7700-4F2A-5835-CE0EE6F2E207}"/>
               </a:ext>
             </a:extLst>
           </p:cNvPr>
@@ -2062,7 +2062,7 @@
           <a:bodyPr/>
           <a:lstStyle/>
           <a:p>
-            <a:fld id="{C0D6922A-96ED-4417-A884-18529D89B905}" type="datetimeFigureOut">
+            <a:fld id="{E078DB27-CECD-4385-9E07-CF7B66695AEB}" type="datetimeFigureOut">
               <a:rPr lang="zh-CN" altLang="en-US" smtClean="0"/>
               <a:t>2024/3/10</a:t>
             </a:fld>
@@ -2075,7 +2075,7 @@
           <p:cNvPr id="3" name="页脚占位符 2">
             <a:extLst>
               <a:ext uri="{FF2B5EF4-FFF2-40B4-BE49-F238E27FC236}">
-                <a16:creationId xmlns:a16="http://schemas.microsoft.com/office/drawing/2014/main" id="{9E7950A4-BD2A-D00A-3742-983923BAC75C}"/>
+                <a16:creationId xmlns:a16="http://schemas.microsoft.com/office/drawing/2014/main" id="{EA0DA72E-DB71-FF16-5ED3-E8A0CF2021EB}"/>
               </a:ext>
             </a:extLst>
           </p:cNvPr>
@@ -2100,7 +2100,7 @@
           <p:cNvPr id="4" name="灯片编号占位符 3">
             <a:extLst>
               <a:ext uri="{FF2B5EF4-FFF2-40B4-BE49-F238E27FC236}">
-                <a16:creationId xmlns:a16="http://schemas.microsoft.com/office/drawing/2014/main" id="{E89BD539-2FF1-4832-3FE5-B6D22B8DA4DC}"/>
+                <a16:creationId xmlns:a16="http://schemas.microsoft.com/office/drawing/2014/main" id="{62C8AE66-F4DA-2856-4BC3-50D151AA4440}"/>
               </a:ext>
             </a:extLst>
           </p:cNvPr>
@@ -2116,7 +2116,7 @@
           <a:bodyPr/>
           <a:lstStyle/>
           <a:p>
-            <a:fld id="{1AF7E711-46F8-457F-ACE7-619413A4F704}" type="slidenum">
+            <a:fld id="{A8488FA5-E095-4888-B39B-F21447CFD0A1}" type="slidenum">
               <a:rPr lang="zh-CN" altLang="en-US" smtClean="0"/>
               <a:t>‹#›</a:t>
             </a:fld>
@@ -2127,7 +2127,7 @@
     </p:spTree>
     <p:extLst>
       <p:ext uri="{BB962C8B-B14F-4D97-AF65-F5344CB8AC3E}">
-        <p14:creationId xmlns:p14="http://schemas.microsoft.com/office/powerpoint/2010/main" val="715802821"/>
+        <p14:creationId xmlns:p14="http://schemas.microsoft.com/office/powerpoint/2010/main" val="2075485028"/>
       </p:ext>
     </p:extLst>
   </p:cSld>
@@ -2159,7 +2159,7 @@
           <p:cNvPr id="2" name="标题 1">
             <a:extLst>
               <a:ext uri="{FF2B5EF4-FFF2-40B4-BE49-F238E27FC236}">
-                <a16:creationId xmlns:a16="http://schemas.microsoft.com/office/drawing/2014/main" id="{0F07DBA9-54CE-0413-283F-DAB7E33473CA}"/>
+                <a16:creationId xmlns:a16="http://schemas.microsoft.com/office/drawing/2014/main" id="{B964259F-62CC-0C0B-2AA0-F8261070DF44}"/>
               </a:ext>
             </a:extLst>
           </p:cNvPr>
@@ -2196,7 +2196,7 @@
           <p:cNvPr id="3" name="内容占位符 2">
             <a:extLst>
               <a:ext uri="{FF2B5EF4-FFF2-40B4-BE49-F238E27FC236}">
-                <a16:creationId xmlns:a16="http://schemas.microsoft.com/office/drawing/2014/main" id="{FCF0ACCC-4077-57BA-2B1B-32CB4527B314}"/>
+                <a16:creationId xmlns:a16="http://schemas.microsoft.com/office/drawing/2014/main" id="{64EE9B8F-5BEC-696C-4C88-47891E3BCD01}"/>
               </a:ext>
             </a:extLst>
           </p:cNvPr>
@@ -2286,7 +2286,7 @@
           <p:cNvPr id="4" name="文本占位符 3">
             <a:extLst>
               <a:ext uri="{FF2B5EF4-FFF2-40B4-BE49-F238E27FC236}">
-                <a16:creationId xmlns:a16="http://schemas.microsoft.com/office/drawing/2014/main" id="{8908F33D-8D16-FE73-6EAB-6D4A73F9DAE9}"/>
+                <a16:creationId xmlns:a16="http://schemas.microsoft.com/office/drawing/2014/main" id="{C5BACB64-720A-E146-4E25-D9C5ED46AB52}"/>
               </a:ext>
             </a:extLst>
           </p:cNvPr>
@@ -2357,7 +2357,7 @@
           <p:cNvPr id="5" name="日期占位符 4">
             <a:extLst>
               <a:ext uri="{FF2B5EF4-FFF2-40B4-BE49-F238E27FC236}">
-                <a16:creationId xmlns:a16="http://schemas.microsoft.com/office/drawing/2014/main" id="{4F0BC402-0F2B-217E-BB37-0F092C0488AD}"/>
+                <a16:creationId xmlns:a16="http://schemas.microsoft.com/office/drawing/2014/main" id="{990BE00D-768F-A6C3-33B4-2FA510C513AB}"/>
               </a:ext>
             </a:extLst>
           </p:cNvPr>
@@ -2373,7 +2373,7 @@
           <a:bodyPr/>
           <a:lstStyle/>
           <a:p>
-            <a:fld id="{C0D6922A-96ED-4417-A884-18529D89B905}" type="datetimeFigureOut">
+            <a:fld id="{E078DB27-CECD-4385-9E07-CF7B66695AEB}" type="datetimeFigureOut">
               <a:rPr lang="zh-CN" altLang="en-US" smtClean="0"/>
               <a:t>2024/3/10</a:t>
             </a:fld>
@@ -2386,7 +2386,7 @@
           <p:cNvPr id="6" name="页脚占位符 5">
             <a:extLst>
               <a:ext uri="{FF2B5EF4-FFF2-40B4-BE49-F238E27FC236}">
-                <a16:creationId xmlns:a16="http://schemas.microsoft.com/office/drawing/2014/main" id="{AA0B774C-D27F-7BCC-3226-EE1E32F89BDE}"/>
+                <a16:creationId xmlns:a16="http://schemas.microsoft.com/office/drawing/2014/main" id="{59543A65-7AF5-D133-24E2-1FA72130429B}"/>
               </a:ext>
             </a:extLst>
           </p:cNvPr>
@@ -2411,7 +2411,7 @@
           <p:cNvPr id="7" name="灯片编号占位符 6">
             <a:extLst>
               <a:ext uri="{FF2B5EF4-FFF2-40B4-BE49-F238E27FC236}">
-                <a16:creationId xmlns:a16="http://schemas.microsoft.com/office/drawing/2014/main" id="{4F60D701-F50E-5756-6B95-C715C2126DF1}"/>
+                <a16:creationId xmlns:a16="http://schemas.microsoft.com/office/drawing/2014/main" id="{5DE640A8-AFE9-A5C4-B156-FEEFCEA37390}"/>
               </a:ext>
             </a:extLst>
           </p:cNvPr>
@@ -2427,7 +2427,7 @@
           <a:bodyPr/>
           <a:lstStyle/>
           <a:p>
-            <a:fld id="{1AF7E711-46F8-457F-ACE7-619413A4F704}" type="slidenum">
+            <a:fld id="{A8488FA5-E095-4888-B39B-F21447CFD0A1}" type="slidenum">
               <a:rPr lang="zh-CN" altLang="en-US" smtClean="0"/>
               <a:t>‹#›</a:t>
             </a:fld>
@@ -2438,7 +2438,7 @@
     </p:spTree>
     <p:extLst>
       <p:ext uri="{BB962C8B-B14F-4D97-AF65-F5344CB8AC3E}">
-        <p14:creationId xmlns:p14="http://schemas.microsoft.com/office/powerpoint/2010/main" val="2615658367"/>
+        <p14:creationId xmlns:p14="http://schemas.microsoft.com/office/powerpoint/2010/main" val="1879939745"/>
       </p:ext>
     </p:extLst>
   </p:cSld>
@@ -2470,7 +2470,7 @@
           <p:cNvPr id="2" name="标题 1">
             <a:extLst>
               <a:ext uri="{FF2B5EF4-FFF2-40B4-BE49-F238E27FC236}">
-                <a16:creationId xmlns:a16="http://schemas.microsoft.com/office/drawing/2014/main" id="{692B2B26-013F-26D2-1084-0BEC1F6E785D}"/>
+                <a16:creationId xmlns:a16="http://schemas.microsoft.com/office/drawing/2014/main" id="{28E025BA-AC96-AC52-723F-E29CEC2A5139}"/>
               </a:ext>
             </a:extLst>
           </p:cNvPr>
@@ -2507,7 +2507,7 @@
           <p:cNvPr id="3" name="图片占位符 2">
             <a:extLst>
               <a:ext uri="{FF2B5EF4-FFF2-40B4-BE49-F238E27FC236}">
-                <a16:creationId xmlns:a16="http://schemas.microsoft.com/office/drawing/2014/main" id="{ED5C043E-1C5A-2821-1617-7F64D83EB158}"/>
+                <a16:creationId xmlns:a16="http://schemas.microsoft.com/office/drawing/2014/main" id="{A50AE57E-280A-5404-DE4F-B937314CD44F}"/>
               </a:ext>
             </a:extLst>
           </p:cNvPr>
@@ -2574,7 +2574,7 @@
           <p:cNvPr id="4" name="文本占位符 3">
             <a:extLst>
               <a:ext uri="{FF2B5EF4-FFF2-40B4-BE49-F238E27FC236}">
-                <a16:creationId xmlns:a16="http://schemas.microsoft.com/office/drawing/2014/main" id="{76656E96-FA74-4791-7B6F-A2FD29360E56}"/>
+                <a16:creationId xmlns:a16="http://schemas.microsoft.com/office/drawing/2014/main" id="{5A429490-4D1C-F781-72BB-B6060A7A0620}"/>
               </a:ext>
             </a:extLst>
           </p:cNvPr>
@@ -2645,7 +2645,7 @@
           <p:cNvPr id="5" name="日期占位符 4">
             <a:extLst>
               <a:ext uri="{FF2B5EF4-FFF2-40B4-BE49-F238E27FC236}">
-                <a16:creationId xmlns:a16="http://schemas.microsoft.com/office/drawing/2014/main" id="{F2213447-8733-5719-5211-FBB31CE928B9}"/>
+                <a16:creationId xmlns:a16="http://schemas.microsoft.com/office/drawing/2014/main" id="{3BE1622B-5C25-8186-4BAD-2FA48C72C337}"/>
               </a:ext>
             </a:extLst>
           </p:cNvPr>
@@ -2661,7 +2661,7 @@
           <a:bodyPr/>
           <a:lstStyle/>
           <a:p>
-            <a:fld id="{C0D6922A-96ED-4417-A884-18529D89B905}" type="datetimeFigureOut">
+            <a:fld id="{E078DB27-CECD-4385-9E07-CF7B66695AEB}" type="datetimeFigureOut">
               <a:rPr lang="zh-CN" altLang="en-US" smtClean="0"/>
               <a:t>2024/3/10</a:t>
             </a:fld>
@@ -2674,7 +2674,7 @@
           <p:cNvPr id="6" name="页脚占位符 5">
             <a:extLst>
               <a:ext uri="{FF2B5EF4-FFF2-40B4-BE49-F238E27FC236}">
-                <a16:creationId xmlns:a16="http://schemas.microsoft.com/office/drawing/2014/main" id="{7B095952-D237-1ABD-0AF4-14FABE7FFF01}"/>
+                <a16:creationId xmlns:a16="http://schemas.microsoft.com/office/drawing/2014/main" id="{784AAB1C-C9C5-1676-75AB-DBCC62336E2C}"/>
               </a:ext>
             </a:extLst>
           </p:cNvPr>
@@ -2699,7 +2699,7 @@
           <p:cNvPr id="7" name="灯片编号占位符 6">
             <a:extLst>
               <a:ext uri="{FF2B5EF4-FFF2-40B4-BE49-F238E27FC236}">
-                <a16:creationId xmlns:a16="http://schemas.microsoft.com/office/drawing/2014/main" id="{AF9C7CAF-6FCB-8459-B9B2-3CF45086BA81}"/>
+                <a16:creationId xmlns:a16="http://schemas.microsoft.com/office/drawing/2014/main" id="{96F0089E-27CF-2E74-FF5A-9F73A2BBFF72}"/>
               </a:ext>
             </a:extLst>
           </p:cNvPr>
@@ -2715,7 +2715,7 @@
           <a:bodyPr/>
           <a:lstStyle/>
           <a:p>
-            <a:fld id="{1AF7E711-46F8-457F-ACE7-619413A4F704}" type="slidenum">
+            <a:fld id="{A8488FA5-E095-4888-B39B-F21447CFD0A1}" type="slidenum">
               <a:rPr lang="zh-CN" altLang="en-US" smtClean="0"/>
               <a:t>‹#›</a:t>
             </a:fld>
@@ -2726,7 +2726,7 @@
     </p:spTree>
     <p:extLst>
       <p:ext uri="{BB962C8B-B14F-4D97-AF65-F5344CB8AC3E}">
-        <p14:creationId xmlns:p14="http://schemas.microsoft.com/office/powerpoint/2010/main" val="2687742079"/>
+        <p14:creationId xmlns:p14="http://schemas.microsoft.com/office/powerpoint/2010/main" val="484254002"/>
       </p:ext>
     </p:extLst>
   </p:cSld>
@@ -2763,7 +2763,7 @@
           <p:cNvPr id="2" name="标题占位符 1">
             <a:extLst>
               <a:ext uri="{FF2B5EF4-FFF2-40B4-BE49-F238E27FC236}">
-                <a16:creationId xmlns:a16="http://schemas.microsoft.com/office/drawing/2014/main" id="{19B15530-6388-DE3A-440F-A88F5A93E005}"/>
+                <a16:creationId xmlns:a16="http://schemas.microsoft.com/office/drawing/2014/main" id="{A39BE52F-ABB0-D60F-E34D-798B4AEBA8F7}"/>
               </a:ext>
             </a:extLst>
           </p:cNvPr>
@@ -2801,7 +2801,7 @@
           <p:cNvPr id="3" name="文本占位符 2">
             <a:extLst>
               <a:ext uri="{FF2B5EF4-FFF2-40B4-BE49-F238E27FC236}">
-                <a16:creationId xmlns:a16="http://schemas.microsoft.com/office/drawing/2014/main" id="{A35208A2-6943-C299-2C42-7D58C3BFF74A}"/>
+                <a16:creationId xmlns:a16="http://schemas.microsoft.com/office/drawing/2014/main" id="{236A4949-006A-97DF-166F-2329BA8E41BD}"/>
               </a:ext>
             </a:extLst>
           </p:cNvPr>
@@ -2868,7 +2868,7 @@
           <p:cNvPr id="4" name="日期占位符 3">
             <a:extLst>
               <a:ext uri="{FF2B5EF4-FFF2-40B4-BE49-F238E27FC236}">
-                <a16:creationId xmlns:a16="http://schemas.microsoft.com/office/drawing/2014/main" id="{19FD3930-85A1-907C-8093-32DA6EF1EB76}"/>
+                <a16:creationId xmlns:a16="http://schemas.microsoft.com/office/drawing/2014/main" id="{3CA4E020-A76E-D45D-4BA4-F7199181069F}"/>
               </a:ext>
             </a:extLst>
           </p:cNvPr>
@@ -2902,7 +2902,7 @@
             </a:lvl1pPr>
           </a:lstStyle>
           <a:p>
-            <a:fld id="{C0D6922A-96ED-4417-A884-18529D89B905}" type="datetimeFigureOut">
+            <a:fld id="{E078DB27-CECD-4385-9E07-CF7B66695AEB}" type="datetimeFigureOut">
               <a:rPr lang="zh-CN" altLang="en-US" smtClean="0"/>
               <a:t>2024/3/10</a:t>
             </a:fld>
@@ -2915,7 +2915,7 @@
           <p:cNvPr id="5" name="页脚占位符 4">
             <a:extLst>
               <a:ext uri="{FF2B5EF4-FFF2-40B4-BE49-F238E27FC236}">
-                <a16:creationId xmlns:a16="http://schemas.microsoft.com/office/drawing/2014/main" id="{B41003F6-2843-45AE-7A55-B8BBE5168580}"/>
+                <a16:creationId xmlns:a16="http://schemas.microsoft.com/office/drawing/2014/main" id="{73768185-D77A-FF5E-038D-687E3C4E156B}"/>
               </a:ext>
             </a:extLst>
           </p:cNvPr>
@@ -2958,7 +2958,7 @@
           <p:cNvPr id="6" name="灯片编号占位符 5">
             <a:extLst>
               <a:ext uri="{FF2B5EF4-FFF2-40B4-BE49-F238E27FC236}">
-                <a16:creationId xmlns:a16="http://schemas.microsoft.com/office/drawing/2014/main" id="{E35728CC-AC39-A869-23E1-39951298616A}"/>
+                <a16:creationId xmlns:a16="http://schemas.microsoft.com/office/drawing/2014/main" id="{9986C279-7BA9-22D4-11F5-F357BC918849}"/>
               </a:ext>
             </a:extLst>
           </p:cNvPr>
@@ -2992,7 +2992,7 @@
             </a:lvl1pPr>
           </a:lstStyle>
           <a:p>
-            <a:fld id="{1AF7E711-46F8-457F-ACE7-619413A4F704}" type="slidenum">
+            <a:fld id="{A8488FA5-E095-4888-B39B-F21447CFD0A1}" type="slidenum">
               <a:rPr lang="zh-CN" altLang="en-US" smtClean="0"/>
               <a:t>‹#›</a:t>
             </a:fld>
@@ -3003,7 +3003,7 @@
     </p:spTree>
     <p:extLst>
       <p:ext uri="{BB962C8B-B14F-4D97-AF65-F5344CB8AC3E}">
-        <p14:creationId xmlns:p14="http://schemas.microsoft.com/office/powerpoint/2010/main" val="972759911"/>
+        <p14:creationId xmlns:p14="http://schemas.microsoft.com/office/powerpoint/2010/main" val="3132178450"/>
       </p:ext>
     </p:extLst>
   </p:cSld>
